--- a/Activity 4/Vertudez_Activity_4_Report.pptx
+++ b/Activity 4/Vertudez_Activity_4_Report.pptx
@@ -3989,7 +3989,7 @@
               <a:rPr lang="en-US" sz="1200" dirty="0">
                 <a:hlinkClick r:id="rId2"/>
               </a:rPr>
-              <a:t>https://github.com/genvert/AP_157_FX-2_Vertudez/tree/main/Activity%202</a:t>
+              <a:t>https://github.com/genvert/AP_157_FX-2_Vertudez/tree/main/Activity%204</a:t>
             </a:r>
             <a:endParaRPr lang="en-US" sz="1200" dirty="0"/>
           </a:p>
@@ -4359,13 +4359,13 @@
             </a:pPr>
             <a:r>
               <a:rPr lang="en-US" sz="1200" dirty="0"/>
-              <a:t>Codes and files: </a:t>
+              <a:t>Files: </a:t>
             </a:r>
             <a:r>
               <a:rPr lang="en-US" sz="1200" dirty="0">
                 <a:hlinkClick r:id="rId2"/>
               </a:rPr>
-              <a:t>https://github.com/genvert/AP_157_FX-2_Vertudez/tree/main/Activity%202</a:t>
+              <a:t>https://github.com/genvert/AP_157_FX-2_Vertudez/tree/main/Activity%204</a:t>
             </a:r>
             <a:endParaRPr lang="en-US" sz="1200" dirty="0"/>
           </a:p>
@@ -4456,7 +4456,7 @@
         <p:spPr/>
         <p:txBody>
           <a:bodyPr>
-            <a:normAutofit/>
+            <a:normAutofit lnSpcReduction="10000"/>
           </a:bodyPr>
           <a:lstStyle/>
           <a:p>
@@ -4464,6 +4464,12 @@
               <a:rPr lang="en-US" dirty="0"/>
               <a:t>Converting to 8-bit</a:t>
             </a:r>
+          </a:p>
+          <a:p>
+            <a:endParaRPr lang="en-US" dirty="0"/>
+          </a:p>
+          <a:p>
+            <a:endParaRPr lang="en-US" dirty="0"/>
           </a:p>
           <a:p>
             <a:endParaRPr lang="en-US" dirty="0"/>
@@ -4714,18 +4720,54 @@
             </a:pPr>
             <a:r>
               <a:rPr lang="en-US" sz="1200" dirty="0"/>
-              <a:t>Codes and files: </a:t>
+              <a:t>Files: </a:t>
             </a:r>
             <a:r>
               <a:rPr lang="en-US" sz="1200" dirty="0">
                 <a:hlinkClick r:id="rId2"/>
               </a:rPr>
-              <a:t>https://github.com/genvert/AP_157_FX-2_Vertudez/tree/main/Activity%202</a:t>
+              <a:t>https://github.com/genvert/AP_157_FX-2_Vertudez/tree/main/Activity%204</a:t>
             </a:r>
             <a:endParaRPr lang="en-US" sz="1200" dirty="0"/>
           </a:p>
         </p:txBody>
       </p:sp>
+      <p:pic>
+        <p:nvPicPr>
+          <p:cNvPr id="5" name="Picture 4">
+            <a:extLst>
+              <a:ext uri="{FF2B5EF4-FFF2-40B4-BE49-F238E27FC236}">
+                <a16:creationId xmlns:a16="http://schemas.microsoft.com/office/drawing/2014/main" id="{5F706A5A-57F8-4827-91C3-98B88AE15103}"/>
+              </a:ext>
+            </a:extLst>
+          </p:cNvPr>
+          <p:cNvPicPr>
+            <a:picLocks noChangeAspect="1"/>
+          </p:cNvPicPr>
+          <p:nvPr/>
+        </p:nvPicPr>
+        <p:blipFill>
+          <a:blip r:embed="rId3">
+            <a:extLst>
+              <a:ext uri="{28A0092B-C50C-407E-A947-70E740481C1C}">
+                <a14:useLocalDpi xmlns:a14="http://schemas.microsoft.com/office/drawing/2010/main" val="0"/>
+              </a:ext>
+            </a:extLst>
+          </a:blip>
+          <a:stretch>
+            <a:fillRect/>
+          </a:stretch>
+        </p:blipFill>
+        <p:spPr>
+          <a:xfrm>
+            <a:off x="4387267" y="2351109"/>
+            <a:ext cx="3417465" cy="3417465"/>
+          </a:xfrm>
+          <a:prstGeom prst="rect">
+            <a:avLst/>
+          </a:prstGeom>
+        </p:spPr>
+      </p:pic>
     </p:spTree>
     <p:extLst>
       <p:ext uri="{BB962C8B-B14F-4D97-AF65-F5344CB8AC3E}">
@@ -5046,13 +5088,13 @@
             </a:pPr>
             <a:r>
               <a:rPr lang="en-US" sz="1200" dirty="0"/>
-              <a:t>Codes and files: </a:t>
+              <a:t>Files: </a:t>
             </a:r>
             <a:r>
               <a:rPr lang="en-US" sz="1200" dirty="0">
                 <a:hlinkClick r:id="rId2"/>
               </a:rPr>
-              <a:t>https://github.com/genvert/AP_157_FX-2_Vertudez/tree/main/Activity%202</a:t>
+              <a:t>https://github.com/genvert/AP_157_FX-2_Vertudez/tree/main/Activity%204</a:t>
             </a:r>
             <a:endParaRPr lang="en-US" sz="1200" dirty="0"/>
           </a:p>
@@ -5086,8 +5128,44 @@
         </p:blipFill>
         <p:spPr>
           <a:xfrm>
-            <a:off x="838200" y="2134998"/>
-            <a:ext cx="3439071" cy="2588004"/>
+            <a:off x="1953936" y="1954635"/>
+            <a:ext cx="3918422" cy="2948730"/>
+          </a:xfrm>
+          <a:prstGeom prst="rect">
+            <a:avLst/>
+          </a:prstGeom>
+        </p:spPr>
+      </p:pic>
+      <p:pic>
+        <p:nvPicPr>
+          <p:cNvPr id="5" name="Picture 4">
+            <a:extLst>
+              <a:ext uri="{FF2B5EF4-FFF2-40B4-BE49-F238E27FC236}">
+                <a16:creationId xmlns:a16="http://schemas.microsoft.com/office/drawing/2014/main" id="{6C00EEBF-D4B6-45FB-A3C2-29C5199F06F6}"/>
+              </a:ext>
+            </a:extLst>
+          </p:cNvPr>
+          <p:cNvPicPr>
+            <a:picLocks noChangeAspect="1"/>
+          </p:cNvPicPr>
+          <p:nvPr/>
+        </p:nvPicPr>
+        <p:blipFill>
+          <a:blip r:embed="rId4">
+            <a:extLst>
+              <a:ext uri="{28A0092B-C50C-407E-A947-70E740481C1C}">
+                <a14:useLocalDpi xmlns:a14="http://schemas.microsoft.com/office/drawing/2010/main" val="0"/>
+              </a:ext>
+            </a:extLst>
+          </a:blip>
+          <a:stretch>
+            <a:fillRect/>
+          </a:stretch>
+        </p:blipFill>
+        <p:spPr>
+          <a:xfrm>
+            <a:off x="7138714" y="1954635"/>
+            <a:ext cx="2948730" cy="2948730"/>
           </a:xfrm>
           <a:prstGeom prst="rect">
             <a:avLst/>
@@ -5148,13 +5226,13 @@
         </p:spPr>
         <p:txBody>
           <a:bodyPr>
-            <a:normAutofit fontScale="85000" lnSpcReduction="20000"/>
+            <a:normAutofit/>
           </a:bodyPr>
           <a:lstStyle/>
           <a:p>
             <a:r>
               <a:rPr lang="en-US" dirty="0"/>
-              <a:t>Correlating an image with another</a:t>
+              <a:t>Analyze particles results</a:t>
             </a:r>
           </a:p>
           <a:p>
@@ -5179,22 +5257,10 @@
             <a:endParaRPr lang="en-US" dirty="0"/>
           </a:p>
           <a:p>
-            <a:r>
-              <a:rPr lang="en-US" dirty="0"/>
-              <a:t>Correlating two functions is equal to multiplying their Fourier transforms, but this time the other is complex conjugate.</a:t>
-            </a:r>
-          </a:p>
-          <a:p>
-            <a:r>
-              <a:rPr lang="en-US" dirty="0"/>
-              <a:t>Correlation measures the degree of similarity of the functions</a:t>
-            </a:r>
-          </a:p>
-          <a:p>
-            <a:r>
-              <a:rPr lang="en-US" dirty="0"/>
-              <a:t>The results make sense since when the phrase was correlated with a letter, the result show the points where the functions (in this case images) are similar</a:t>
-            </a:r>
+            <a:pPr marL="0" indent="0">
+              <a:buNone/>
+            </a:pPr>
+            <a:endParaRPr lang="en-US" dirty="0"/>
           </a:p>
         </p:txBody>
       </p:sp>
@@ -5226,186 +5292,6 @@
           </a:p>
         </p:txBody>
       </p:sp>
-      <p:pic>
-        <p:nvPicPr>
-          <p:cNvPr id="4" name="Picture 3">
-            <a:extLst>
-              <a:ext uri="{FF2B5EF4-FFF2-40B4-BE49-F238E27FC236}">
-                <a16:creationId xmlns:a16="http://schemas.microsoft.com/office/drawing/2014/main" id="{CF4B0B37-BC58-41A9-98A8-D1357680548A}"/>
-              </a:ext>
-            </a:extLst>
-          </p:cNvPr>
-          <p:cNvPicPr>
-            <a:picLocks noChangeAspect="1"/>
-          </p:cNvPicPr>
-          <p:nvPr/>
-        </p:nvPicPr>
-        <p:blipFill>
-          <a:blip r:embed="rId2">
-            <a:extLst>
-              <a:ext uri="{28A0092B-C50C-407E-A947-70E740481C1C}">
-                <a14:useLocalDpi xmlns:a14="http://schemas.microsoft.com/office/drawing/2010/main" val="0"/>
-              </a:ext>
-            </a:extLst>
-          </a:blip>
-          <a:stretch>
-            <a:fillRect/>
-          </a:stretch>
-        </p:blipFill>
-        <p:spPr>
-          <a:xfrm>
-            <a:off x="5170415" y="2073401"/>
-            <a:ext cx="1235226" cy="1235226"/>
-          </a:xfrm>
-          <a:prstGeom prst="rect">
-            <a:avLst/>
-          </a:prstGeom>
-        </p:spPr>
-      </p:pic>
-      <p:pic>
-        <p:nvPicPr>
-          <p:cNvPr id="5" name="Picture 4">
-            <a:extLst>
-              <a:ext uri="{FF2B5EF4-FFF2-40B4-BE49-F238E27FC236}">
-                <a16:creationId xmlns:a16="http://schemas.microsoft.com/office/drawing/2014/main" id="{77BFA542-B81B-42EF-BDEC-AD87F17BB7CF}"/>
-              </a:ext>
-            </a:extLst>
-          </p:cNvPr>
-          <p:cNvPicPr>
-            <a:picLocks noChangeAspect="1"/>
-          </p:cNvPicPr>
-          <p:nvPr/>
-        </p:nvPicPr>
-        <p:blipFill>
-          <a:blip r:embed="rId3">
-            <a:extLst>
-              <a:ext uri="{28A0092B-C50C-407E-A947-70E740481C1C}">
-                <a14:useLocalDpi xmlns:a14="http://schemas.microsoft.com/office/drawing/2010/main" val="0"/>
-              </a:ext>
-            </a:extLst>
-          </a:blip>
-          <a:stretch>
-            <a:fillRect/>
-          </a:stretch>
-        </p:blipFill>
-        <p:spPr>
-          <a:xfrm>
-            <a:off x="5170415" y="3443564"/>
-            <a:ext cx="1235226" cy="1235226"/>
-          </a:xfrm>
-          <a:prstGeom prst="rect">
-            <a:avLst/>
-          </a:prstGeom>
-        </p:spPr>
-      </p:pic>
-      <p:pic>
-        <p:nvPicPr>
-          <p:cNvPr id="6" name="Content Placeholder 4">
-            <a:extLst>
-              <a:ext uri="{FF2B5EF4-FFF2-40B4-BE49-F238E27FC236}">
-                <a16:creationId xmlns:a16="http://schemas.microsoft.com/office/drawing/2014/main" id="{290C1360-CB66-42B5-A3C4-FB18BA850BDB}"/>
-              </a:ext>
-            </a:extLst>
-          </p:cNvPr>
-          <p:cNvPicPr>
-            <a:picLocks noChangeAspect="1"/>
-          </p:cNvPicPr>
-          <p:nvPr/>
-        </p:nvPicPr>
-        <p:blipFill>
-          <a:blip r:embed="rId4">
-            <a:extLst>
-              <a:ext uri="{28A0092B-C50C-407E-A947-70E740481C1C}">
-                <a14:useLocalDpi xmlns:a14="http://schemas.microsoft.com/office/drawing/2010/main" val="0"/>
-              </a:ext>
-            </a:extLst>
-          </a:blip>
-          <a:stretch>
-            <a:fillRect/>
-          </a:stretch>
-        </p:blipFill>
-        <p:spPr>
-          <a:xfrm>
-            <a:off x="7026426" y="2073401"/>
-            <a:ext cx="1235226" cy="1235226"/>
-          </a:xfrm>
-          <a:prstGeom prst="rect">
-            <a:avLst/>
-          </a:prstGeom>
-        </p:spPr>
-      </p:pic>
-      <p:pic>
-        <p:nvPicPr>
-          <p:cNvPr id="7" name="Picture 6">
-            <a:extLst>
-              <a:ext uri="{FF2B5EF4-FFF2-40B4-BE49-F238E27FC236}">
-                <a16:creationId xmlns:a16="http://schemas.microsoft.com/office/drawing/2014/main" id="{8B0E0119-40A4-4CA1-95FB-0C90F44E58FB}"/>
-              </a:ext>
-            </a:extLst>
-          </p:cNvPr>
-          <p:cNvPicPr>
-            <a:picLocks noChangeAspect="1"/>
-          </p:cNvPicPr>
-          <p:nvPr/>
-        </p:nvPicPr>
-        <p:blipFill>
-          <a:blip r:embed="rId5">
-            <a:extLst>
-              <a:ext uri="{28A0092B-C50C-407E-A947-70E740481C1C}">
-                <a14:useLocalDpi xmlns:a14="http://schemas.microsoft.com/office/drawing/2010/main" val="0"/>
-              </a:ext>
-            </a:extLst>
-          </a:blip>
-          <a:stretch>
-            <a:fillRect/>
-          </a:stretch>
-        </p:blipFill>
-        <p:spPr>
-          <a:xfrm>
-            <a:off x="7026426" y="3510676"/>
-            <a:ext cx="1235226" cy="1235226"/>
-          </a:xfrm>
-          <a:prstGeom prst="rect">
-            <a:avLst/>
-          </a:prstGeom>
-        </p:spPr>
-      </p:pic>
-      <p:pic>
-        <p:nvPicPr>
-          <p:cNvPr id="8" name="Picture 7">
-            <a:extLst>
-              <a:ext uri="{FF2B5EF4-FFF2-40B4-BE49-F238E27FC236}">
-                <a16:creationId xmlns:a16="http://schemas.microsoft.com/office/drawing/2014/main" id="{37D34CB7-D5C3-4998-B87A-11549E386F2E}"/>
-              </a:ext>
-            </a:extLst>
-          </p:cNvPr>
-          <p:cNvPicPr>
-            <a:picLocks noChangeAspect="1"/>
-          </p:cNvPicPr>
-          <p:nvPr/>
-        </p:nvPicPr>
-        <p:blipFill>
-          <a:blip r:embed="rId6">
-            <a:extLst>
-              <a:ext uri="{28A0092B-C50C-407E-A947-70E740481C1C}">
-                <a14:useLocalDpi xmlns:a14="http://schemas.microsoft.com/office/drawing/2010/main" val="0"/>
-              </a:ext>
-            </a:extLst>
-          </a:blip>
-          <a:stretch>
-            <a:fillRect/>
-          </a:stretch>
-        </p:blipFill>
-        <p:spPr>
-          <a:xfrm>
-            <a:off x="3314404" y="2742254"/>
-            <a:ext cx="1235226" cy="1235226"/>
-          </a:xfrm>
-          <a:prstGeom prst="rect">
-            <a:avLst/>
-          </a:prstGeom>
-        </p:spPr>
-      </p:pic>
       <p:sp>
         <p:nvSpPr>
           <p:cNvPr id="9" name="Content Placeholder 2">
@@ -5602,19 +5488,127 @@
               <a:buNone/>
             </a:pPr>
             <a:r>
-              <a:rPr lang="en-US" sz="1200"/>
-              <a:t>Codes and files: </a:t>
+              <a:rPr lang="en-US" sz="1200" dirty="0"/>
+              <a:t>Files: </a:t>
             </a:r>
             <a:r>
               <a:rPr lang="en-US" sz="1200" dirty="0">
-                <a:hlinkClick r:id="rId7"/>
+                <a:hlinkClick r:id="rId2"/>
               </a:rPr>
-              <a:t>https://github.com/genvert/AP_157_FX-2_Vertudez/tree/main/Activity%202</a:t>
+              <a:t>https://github.com/genvert/AP_157_FX-2_Vertudez/tree/main/Activity%204</a:t>
             </a:r>
             <a:endParaRPr lang="en-US" sz="1200" dirty="0"/>
           </a:p>
         </p:txBody>
       </p:sp>
+      <p:pic>
+        <p:nvPicPr>
+          <p:cNvPr id="10" name="Picture 9">
+            <a:extLst>
+              <a:ext uri="{FF2B5EF4-FFF2-40B4-BE49-F238E27FC236}">
+                <a16:creationId xmlns:a16="http://schemas.microsoft.com/office/drawing/2014/main" id="{27CCD5C8-2030-45DA-A35F-81D4A44783BD}"/>
+              </a:ext>
+            </a:extLst>
+          </p:cNvPr>
+          <p:cNvPicPr>
+            <a:picLocks noChangeAspect="1"/>
+          </p:cNvPicPr>
+          <p:nvPr/>
+        </p:nvPicPr>
+        <p:blipFill>
+          <a:blip r:embed="rId3">
+            <a:extLst>
+              <a:ext uri="{28A0092B-C50C-407E-A947-70E740481C1C}">
+                <a14:useLocalDpi xmlns:a14="http://schemas.microsoft.com/office/drawing/2010/main" val="0"/>
+              </a:ext>
+            </a:extLst>
+          </a:blip>
+          <a:stretch>
+            <a:fillRect/>
+          </a:stretch>
+        </p:blipFill>
+        <p:spPr>
+          <a:xfrm>
+            <a:off x="842962" y="2303118"/>
+            <a:ext cx="3341615" cy="3540469"/>
+          </a:xfrm>
+          <a:prstGeom prst="rect">
+            <a:avLst/>
+          </a:prstGeom>
+        </p:spPr>
+      </p:pic>
+      <p:pic>
+        <p:nvPicPr>
+          <p:cNvPr id="15" name="Picture 14">
+            <a:extLst>
+              <a:ext uri="{FF2B5EF4-FFF2-40B4-BE49-F238E27FC236}">
+                <a16:creationId xmlns:a16="http://schemas.microsoft.com/office/drawing/2014/main" id="{0FC14826-0DA4-4681-AE62-9BCF35851CFD}"/>
+              </a:ext>
+            </a:extLst>
+          </p:cNvPr>
+          <p:cNvPicPr>
+            <a:picLocks noChangeAspect="1"/>
+          </p:cNvPicPr>
+          <p:nvPr/>
+        </p:nvPicPr>
+        <p:blipFill>
+          <a:blip r:embed="rId4">
+            <a:extLst>
+              <a:ext uri="{28A0092B-C50C-407E-A947-70E740481C1C}">
+                <a14:useLocalDpi xmlns:a14="http://schemas.microsoft.com/office/drawing/2010/main" val="0"/>
+              </a:ext>
+            </a:extLst>
+          </a:blip>
+          <a:stretch>
+            <a:fillRect/>
+          </a:stretch>
+        </p:blipFill>
+        <p:spPr>
+          <a:xfrm>
+            <a:off x="4526078" y="2303118"/>
+            <a:ext cx="3401517" cy="3554304"/>
+          </a:xfrm>
+          <a:prstGeom prst="rect">
+            <a:avLst/>
+          </a:prstGeom>
+        </p:spPr>
+      </p:pic>
+      <p:pic>
+        <p:nvPicPr>
+          <p:cNvPr id="17" name="Picture 16">
+            <a:extLst>
+              <a:ext uri="{FF2B5EF4-FFF2-40B4-BE49-F238E27FC236}">
+                <a16:creationId xmlns:a16="http://schemas.microsoft.com/office/drawing/2014/main" id="{D7E1E8A0-238C-40E2-960D-71522939D1ED}"/>
+              </a:ext>
+            </a:extLst>
+          </p:cNvPr>
+          <p:cNvPicPr>
+            <a:picLocks noChangeAspect="1"/>
+          </p:cNvPicPr>
+          <p:nvPr/>
+        </p:nvPicPr>
+        <p:blipFill>
+          <a:blip r:embed="rId5">
+            <a:extLst>
+              <a:ext uri="{28A0092B-C50C-407E-A947-70E740481C1C}">
+                <a14:useLocalDpi xmlns:a14="http://schemas.microsoft.com/office/drawing/2010/main" val="0"/>
+              </a:ext>
+            </a:extLst>
+          </a:blip>
+          <a:stretch>
+            <a:fillRect/>
+          </a:stretch>
+        </p:blipFill>
+        <p:spPr>
+          <a:xfrm>
+            <a:off x="8193596" y="2800437"/>
+            <a:ext cx="3421877" cy="3056985"/>
+          </a:xfrm>
+          <a:prstGeom prst="rect">
+            <a:avLst/>
+          </a:prstGeom>
+        </p:spPr>
+      </p:pic>
     </p:spTree>
     <p:extLst>
       <p:ext uri="{BB962C8B-B14F-4D97-AF65-F5344CB8AC3E}">
@@ -5702,19 +5696,13 @@
           <a:p>
             <a:r>
               <a:rPr lang="en-US" dirty="0"/>
-              <a:t>It is cool that the pixels can act as Dirac delta functions such that other images are copied to each pixel when convolved.</a:t>
+              <a:t>It is fun to recognize and understand the functions of different options in ImageJ based on our fundamental understandings of image processing. It is cool to know that you can do these manually with coding without the app.</a:t>
             </a:r>
           </a:p>
           <a:p>
             <a:r>
               <a:rPr lang="en-US" dirty="0"/>
-              <a:t>I managed to do it on time this time.</a:t>
-            </a:r>
-          </a:p>
-          <a:p>
-            <a:r>
-              <a:rPr lang="en-US" dirty="0"/>
-              <a:t>I give myself a 10/10.</a:t>
+              <a:t>I am grateful for this no-coding exercise. This is a breather exercise because I have been overwhelmed by coding lately.</a:t>
             </a:r>
           </a:p>
         </p:txBody>
